--- a/BCA_III/Access Controll Vulnerabiliteis.pptx
+++ b/BCA_III/Access Controll Vulnerabiliteis.pptx
@@ -195,7 +195,8 @@
           <a:p>
             <a:fld id="{C5DF6F6D-8FA3-4556-9A25-899D48F9A32F}" type="datetimeFigureOut">
               <a:rPr lang="en-US" smtClean="0"/>
-              <a:t>12/14/2018</a:t>
+              <a:pPr/>
+              <a:t>3/30/2019</a:t>
             </a:fld>
             <a:endParaRPr lang="en-US"/>
           </a:p>
@@ -356,6 +357,7 @@
           <a:p>
             <a:fld id="{18640815-6868-4D62-82E6-1FF8440B198A}" type="slidenum">
               <a:rPr lang="en-US" smtClean="0"/>
+              <a:pPr/>
               <a:t>‹#›</a:t>
             </a:fld>
             <a:endParaRPr lang="en-US"/>
@@ -641,7 +643,8 @@
           <a:p>
             <a:fld id="{7BDA1335-0EC8-46A1-9EA5-133F07CE2731}" type="datetimeFigureOut">
               <a:rPr lang="en-US" smtClean="0"/>
-              <a:t>12/14/2018</a:t>
+              <a:pPr/>
+              <a:t>3/30/2019</a:t>
             </a:fld>
             <a:endParaRPr lang="en-US"/>
           </a:p>
@@ -683,6 +686,7 @@
           <a:p>
             <a:fld id="{E00DAB01-6B4B-4958-898B-E21C8EE926D8}" type="slidenum">
               <a:rPr lang="en-US" smtClean="0"/>
+              <a:pPr/>
               <a:t>‹#›</a:t>
             </a:fld>
             <a:endParaRPr lang="en-US"/>
@@ -806,7 +810,8 @@
           <a:p>
             <a:fld id="{7BDA1335-0EC8-46A1-9EA5-133F07CE2731}" type="datetimeFigureOut">
               <a:rPr lang="en-US" smtClean="0"/>
-              <a:t>12/14/2018</a:t>
+              <a:pPr/>
+              <a:t>3/30/2019</a:t>
             </a:fld>
             <a:endParaRPr lang="en-US"/>
           </a:p>
@@ -848,6 +853,7 @@
           <a:p>
             <a:fld id="{E00DAB01-6B4B-4958-898B-E21C8EE926D8}" type="slidenum">
               <a:rPr lang="en-US" smtClean="0"/>
+              <a:pPr/>
               <a:t>‹#›</a:t>
             </a:fld>
             <a:endParaRPr lang="en-US"/>
@@ -981,7 +987,8 @@
           <a:p>
             <a:fld id="{7BDA1335-0EC8-46A1-9EA5-133F07CE2731}" type="datetimeFigureOut">
               <a:rPr lang="en-US" smtClean="0"/>
-              <a:t>12/14/2018</a:t>
+              <a:pPr/>
+              <a:t>3/30/2019</a:t>
             </a:fld>
             <a:endParaRPr lang="en-US"/>
           </a:p>
@@ -1023,6 +1030,7 @@
           <a:p>
             <a:fld id="{E00DAB01-6B4B-4958-898B-E21C8EE926D8}" type="slidenum">
               <a:rPr lang="en-US" smtClean="0"/>
+              <a:pPr/>
               <a:t>‹#›</a:t>
             </a:fld>
             <a:endParaRPr lang="en-US"/>
@@ -1146,7 +1154,8 @@
           <a:p>
             <a:fld id="{7BDA1335-0EC8-46A1-9EA5-133F07CE2731}" type="datetimeFigureOut">
               <a:rPr lang="en-US" smtClean="0"/>
-              <a:t>12/14/2018</a:t>
+              <a:pPr/>
+              <a:t>3/30/2019</a:t>
             </a:fld>
             <a:endParaRPr lang="en-US"/>
           </a:p>
@@ -1188,6 +1197,7 @@
           <a:p>
             <a:fld id="{E00DAB01-6B4B-4958-898B-E21C8EE926D8}" type="slidenum">
               <a:rPr lang="en-US" smtClean="0"/>
+              <a:pPr/>
               <a:t>‹#›</a:t>
             </a:fld>
             <a:endParaRPr lang="en-US"/>
@@ -1387,7 +1397,8 @@
           <a:p>
             <a:fld id="{7BDA1335-0EC8-46A1-9EA5-133F07CE2731}" type="datetimeFigureOut">
               <a:rPr lang="en-US" smtClean="0"/>
-              <a:t>12/14/2018</a:t>
+              <a:pPr/>
+              <a:t>3/30/2019</a:t>
             </a:fld>
             <a:endParaRPr lang="en-US"/>
           </a:p>
@@ -1429,6 +1440,7 @@
           <a:p>
             <a:fld id="{E00DAB01-6B4B-4958-898B-E21C8EE926D8}" type="slidenum">
               <a:rPr lang="en-US" smtClean="0"/>
+              <a:pPr/>
               <a:t>‹#›</a:t>
             </a:fld>
             <a:endParaRPr lang="en-US"/>
@@ -1670,7 +1682,8 @@
           <a:p>
             <a:fld id="{7BDA1335-0EC8-46A1-9EA5-133F07CE2731}" type="datetimeFigureOut">
               <a:rPr lang="en-US" smtClean="0"/>
-              <a:t>12/14/2018</a:t>
+              <a:pPr/>
+              <a:t>3/30/2019</a:t>
             </a:fld>
             <a:endParaRPr lang="en-US"/>
           </a:p>
@@ -1712,6 +1725,7 @@
           <a:p>
             <a:fld id="{E00DAB01-6B4B-4958-898B-E21C8EE926D8}" type="slidenum">
               <a:rPr lang="en-US" smtClean="0"/>
+              <a:pPr/>
               <a:t>‹#›</a:t>
             </a:fld>
             <a:endParaRPr lang="en-US"/>
@@ -2087,7 +2101,8 @@
           <a:p>
             <a:fld id="{7BDA1335-0EC8-46A1-9EA5-133F07CE2731}" type="datetimeFigureOut">
               <a:rPr lang="en-US" smtClean="0"/>
-              <a:t>12/14/2018</a:t>
+              <a:pPr/>
+              <a:t>3/30/2019</a:t>
             </a:fld>
             <a:endParaRPr lang="en-US"/>
           </a:p>
@@ -2129,6 +2144,7 @@
           <a:p>
             <a:fld id="{E00DAB01-6B4B-4958-898B-E21C8EE926D8}" type="slidenum">
               <a:rPr lang="en-US" smtClean="0"/>
+              <a:pPr/>
               <a:t>‹#›</a:t>
             </a:fld>
             <a:endParaRPr lang="en-US"/>
@@ -2200,7 +2216,8 @@
           <a:p>
             <a:fld id="{7BDA1335-0EC8-46A1-9EA5-133F07CE2731}" type="datetimeFigureOut">
               <a:rPr lang="en-US" smtClean="0"/>
-              <a:t>12/14/2018</a:t>
+              <a:pPr/>
+              <a:t>3/30/2019</a:t>
             </a:fld>
             <a:endParaRPr lang="en-US"/>
           </a:p>
@@ -2242,6 +2259,7 @@
           <a:p>
             <a:fld id="{E00DAB01-6B4B-4958-898B-E21C8EE926D8}" type="slidenum">
               <a:rPr lang="en-US" smtClean="0"/>
+              <a:pPr/>
               <a:t>‹#›</a:t>
             </a:fld>
             <a:endParaRPr lang="en-US"/>
@@ -2290,7 +2308,8 @@
           <a:p>
             <a:fld id="{7BDA1335-0EC8-46A1-9EA5-133F07CE2731}" type="datetimeFigureOut">
               <a:rPr lang="en-US" smtClean="0"/>
-              <a:t>12/14/2018</a:t>
+              <a:pPr/>
+              <a:t>3/30/2019</a:t>
             </a:fld>
             <a:endParaRPr lang="en-US"/>
           </a:p>
@@ -2332,6 +2351,7 @@
           <a:p>
             <a:fld id="{E00DAB01-6B4B-4958-898B-E21C8EE926D8}" type="slidenum">
               <a:rPr lang="en-US" smtClean="0"/>
+              <a:pPr/>
               <a:t>‹#›</a:t>
             </a:fld>
             <a:endParaRPr lang="en-US"/>
@@ -2562,7 +2582,8 @@
           <a:p>
             <a:fld id="{7BDA1335-0EC8-46A1-9EA5-133F07CE2731}" type="datetimeFigureOut">
               <a:rPr lang="en-US" smtClean="0"/>
-              <a:t>12/14/2018</a:t>
+              <a:pPr/>
+              <a:t>3/30/2019</a:t>
             </a:fld>
             <a:endParaRPr lang="en-US"/>
           </a:p>
@@ -2604,6 +2625,7 @@
           <a:p>
             <a:fld id="{E00DAB01-6B4B-4958-898B-E21C8EE926D8}" type="slidenum">
               <a:rPr lang="en-US" smtClean="0"/>
+              <a:pPr/>
               <a:t>‹#›</a:t>
             </a:fld>
             <a:endParaRPr lang="en-US"/>
@@ -2810,7 +2832,8 @@
           <a:p>
             <a:fld id="{7BDA1335-0EC8-46A1-9EA5-133F07CE2731}" type="datetimeFigureOut">
               <a:rPr lang="en-US" smtClean="0"/>
-              <a:t>12/14/2018</a:t>
+              <a:pPr/>
+              <a:t>3/30/2019</a:t>
             </a:fld>
             <a:endParaRPr lang="en-US"/>
           </a:p>
@@ -2852,6 +2875,7 @@
           <a:p>
             <a:fld id="{E00DAB01-6B4B-4958-898B-E21C8EE926D8}" type="slidenum">
               <a:rPr lang="en-US" smtClean="0"/>
+              <a:pPr/>
               <a:t>‹#›</a:t>
             </a:fld>
             <a:endParaRPr lang="en-US"/>
@@ -3018,7 +3042,8 @@
           <a:p>
             <a:fld id="{7BDA1335-0EC8-46A1-9EA5-133F07CE2731}" type="datetimeFigureOut">
               <a:rPr lang="en-US" smtClean="0"/>
-              <a:t>12/14/2018</a:t>
+              <a:pPr/>
+              <a:t>3/30/2019</a:t>
             </a:fld>
             <a:endParaRPr lang="en-US"/>
           </a:p>
@@ -3096,6 +3121,7 @@
           <a:p>
             <a:fld id="{E00DAB01-6B4B-4958-898B-E21C8EE926D8}" type="slidenum">
               <a:rPr lang="en-US" smtClean="0"/>
+              <a:pPr/>
               <a:t>‹#›</a:t>
             </a:fld>
             <a:endParaRPr lang="en-US"/>
